--- a/Projet Data Immo/RAMAT_Romain_Support_Presentation_0123.pptx
+++ b/Projet Data Immo/RAMAT_Romain_Support_Presentation_0123.pptx
@@ -1192,15 +1192,15 @@
     <dgm:cxn modelId="{F038FB0B-385C-4C67-BDEC-052E2943E9BD}" srcId="{2863AD17-3D19-4293-B669-5E63F2D0C211}" destId="{6DD12FD2-ECDF-4AC5-A116-0E75F8A162DB}" srcOrd="3" destOrd="0" parTransId="{FF3F928F-5D63-4507-B70D-D1A6E994098A}" sibTransId="{6FB64C06-FCA1-4AC4-930E-38952F609DC1}"/>
     <dgm:cxn modelId="{72C4CA15-8EBE-0F41-8C41-FA267604A664}" type="presOf" srcId="{B8A710B0-0716-41CD-8312-33D61D3AF595}" destId="{E436BC2E-E57D-3245-946E-61EBEF3239D7}" srcOrd="1" destOrd="0" presId="urn:microsoft.com/office/officeart/2005/8/layout/vProcess5"/>
     <dgm:cxn modelId="{811A1318-8DAC-0845-82A7-EE8E9AEE1356}" type="presOf" srcId="{ADE2573C-752E-4F45-80EB-714A596F06CC}" destId="{EDDD6C2D-F9CA-834C-93E1-08347CDC2606}" srcOrd="0" destOrd="0" presId="urn:microsoft.com/office/officeart/2005/8/layout/vProcess5"/>
+    <dgm:cxn modelId="{B4940064-8765-40C8-AE43-DE0A75CC0745}" srcId="{2863AD17-3D19-4293-B669-5E63F2D0C211}" destId="{04D8BE9E-3552-412C-93C8-EBE44A7C5104}" srcOrd="0" destOrd="0" parTransId="{65A82500-5C42-4639-A1A7-6148865CB793}" sibTransId="{579BB010-3D24-4BFC-A17F-452C3A830881}"/>
     <dgm:cxn modelId="{3D0BEE54-C714-2840-9116-8593398283B1}" type="presOf" srcId="{3D7296E9-548B-4D1E-AAAD-E78B5E2A9906}" destId="{C5C9FB91-889E-2E44-B794-EB2874430F2F}" srcOrd="0" destOrd="0" presId="urn:microsoft.com/office/officeart/2005/8/layout/vProcess5"/>
-    <dgm:cxn modelId="{B4940064-8765-40C8-AE43-DE0A75CC0745}" srcId="{2863AD17-3D19-4293-B669-5E63F2D0C211}" destId="{04D8BE9E-3552-412C-93C8-EBE44A7C5104}" srcOrd="0" destOrd="0" parTransId="{65A82500-5C42-4639-A1A7-6148865CB793}" sibTransId="{579BB010-3D24-4BFC-A17F-452C3A830881}"/>
     <dgm:cxn modelId="{32A5327C-D3AC-B841-A3C4-E757B3C7F49D}" type="presOf" srcId="{2863AD17-3D19-4293-B669-5E63F2D0C211}" destId="{296D90C8-821B-684E-9DE9-A6F59C35B021}" srcOrd="0" destOrd="0" presId="urn:microsoft.com/office/officeart/2005/8/layout/vProcess5"/>
     <dgm:cxn modelId="{D3052197-8E92-254C-913C-07E6E602D671}" type="presOf" srcId="{579BB010-3D24-4BFC-A17F-452C3A830881}" destId="{19311D29-357F-EA45-A356-AA7141899ED3}" srcOrd="0" destOrd="0" presId="urn:microsoft.com/office/officeart/2005/8/layout/vProcess5"/>
     <dgm:cxn modelId="{6C4DD9B1-8A4D-C540-B474-D50DBF318AEC}" type="presOf" srcId="{6DD12FD2-ECDF-4AC5-A116-0E75F8A162DB}" destId="{92A640FF-0B8C-1B4F-BDDE-13A6C13E1E47}" srcOrd="0" destOrd="0" presId="urn:microsoft.com/office/officeart/2005/8/layout/vProcess5"/>
     <dgm:cxn modelId="{CBC83ABF-DEDB-7F45-9D7B-FF7B14371B34}" type="presOf" srcId="{04D8BE9E-3552-412C-93C8-EBE44A7C5104}" destId="{1674B7C3-2A52-CE44-B340-BD230E3D3FAD}" srcOrd="1" destOrd="0" presId="urn:microsoft.com/office/officeart/2005/8/layout/vProcess5"/>
     <dgm:cxn modelId="{879091BF-EA84-4EF9-A369-E77016F1580D}" srcId="{2863AD17-3D19-4293-B669-5E63F2D0C211}" destId="{0E7AB114-01A2-4251-9009-C4C9AFB077CF}" srcOrd="1" destOrd="0" parTransId="{9BE6BE34-FACB-41B8-A93F-774955A7ADF3}" sibTransId="{3D7296E9-548B-4D1E-AAAD-E78B5E2A9906}"/>
+    <dgm:cxn modelId="{458E62D1-D238-4F41-ADA7-7F3C65789100}" type="presOf" srcId="{0E7AB114-01A2-4251-9009-C4C9AFB077CF}" destId="{13559810-0EBB-8841-B332-CB05A7BCBD4E}" srcOrd="1" destOrd="0" presId="urn:microsoft.com/office/officeart/2005/8/layout/vProcess5"/>
     <dgm:cxn modelId="{4BD646D1-F346-614F-B701-58AA2338B73B}" type="presOf" srcId="{6DD12FD2-ECDF-4AC5-A116-0E75F8A162DB}" destId="{07AF9F9C-2212-4040-8559-94282C6E8BD4}" srcOrd="1" destOrd="0" presId="urn:microsoft.com/office/officeart/2005/8/layout/vProcess5"/>
-    <dgm:cxn modelId="{458E62D1-D238-4F41-ADA7-7F3C65789100}" type="presOf" srcId="{0E7AB114-01A2-4251-9009-C4C9AFB077CF}" destId="{13559810-0EBB-8841-B332-CB05A7BCBD4E}" srcOrd="1" destOrd="0" presId="urn:microsoft.com/office/officeart/2005/8/layout/vProcess5"/>
     <dgm:cxn modelId="{2F7C2EF3-8909-1F4A-A92D-11BB7D78446A}" type="presOf" srcId="{B8A710B0-0716-41CD-8312-33D61D3AF595}" destId="{881508EF-F5F0-1A47-B7EE-4669F3CDE954}" srcOrd="0" destOrd="0" presId="urn:microsoft.com/office/officeart/2005/8/layout/vProcess5"/>
     <dgm:cxn modelId="{693198F8-E356-C34E-903D-ECDA7CEA75B7}" type="presOf" srcId="{0E7AB114-01A2-4251-9009-C4C9AFB077CF}" destId="{0B97F199-419E-FB41-A6F5-74F392F6C4BF}" srcOrd="0" destOrd="0" presId="urn:microsoft.com/office/officeart/2005/8/layout/vProcess5"/>
     <dgm:cxn modelId="{8D7FDFF8-4EA5-8246-A1C4-B9AB467A08FA}" type="presOf" srcId="{04D8BE9E-3552-412C-93C8-EBE44A7C5104}" destId="{D43C1081-44BC-FD42-A927-B442560083F0}" srcOrd="0" destOrd="0" presId="urn:microsoft.com/office/officeart/2005/8/layout/vProcess5"/>
@@ -4194,7 +4194,7 @@
           <a:p>
             <a:fld id="{26A00A07-78AA-9E43-97A7-BC66A045949F}" type="datetimeFigureOut">
               <a:rPr lang="fr-FR" smtClean="0"/>
-              <a:t>23/01/2025</a:t>
+              <a:t>10/11/2025</a:t>
             </a:fld>
             <a:endParaRPr lang="fr-FR"/>
           </a:p>
@@ -4702,7 +4702,7 @@
           <a:p>
             <a:fld id="{11EAACC7-3B3F-47D1-959A-EF58926E955E}" type="datetimeFigureOut">
               <a:rPr lang="en-US" smtClean="0"/>
-              <a:t>1/23/25</a:t>
+              <a:t>11/10/2025</a:t>
             </a:fld>
             <a:endParaRPr lang="en-US"/>
           </a:p>
@@ -4900,7 +4900,7 @@
           <a:p>
             <a:fld id="{11EAACC7-3B3F-47D1-959A-EF58926E955E}" type="datetimeFigureOut">
               <a:rPr lang="en-US" smtClean="0"/>
-              <a:t>1/23/25</a:t>
+              <a:t>11/10/2025</a:t>
             </a:fld>
             <a:endParaRPr lang="en-US"/>
           </a:p>
@@ -5108,7 +5108,7 @@
           <a:p>
             <a:fld id="{11EAACC7-3B3F-47D1-959A-EF58926E955E}" type="datetimeFigureOut">
               <a:rPr lang="en-US" smtClean="0"/>
-              <a:t>1/23/25</a:t>
+              <a:t>11/10/2025</a:t>
             </a:fld>
             <a:endParaRPr lang="en-US"/>
           </a:p>
@@ -5344,7 +5344,7 @@
           <a:p>
             <a:fld id="{11EAACC7-3B3F-47D1-959A-EF58926E955E}" type="datetimeFigureOut">
               <a:rPr lang="en-US" smtClean="0"/>
-              <a:t>1/23/25</a:t>
+              <a:t>11/10/2025</a:t>
             </a:fld>
             <a:endParaRPr lang="en-US" dirty="0"/>
           </a:p>
@@ -5622,7 +5622,7 @@
           <a:p>
             <a:fld id="{11EAACC7-3B3F-47D1-959A-EF58926E955E}" type="datetimeFigureOut">
               <a:rPr lang="en-US" smtClean="0"/>
-              <a:t>1/23/25</a:t>
+              <a:t>11/10/2025</a:t>
             </a:fld>
             <a:endParaRPr lang="en-US"/>
           </a:p>
@@ -5895,7 +5895,7 @@
           <a:p>
             <a:fld id="{11EAACC7-3B3F-47D1-959A-EF58926E955E}" type="datetimeFigureOut">
               <a:rPr lang="en-US" smtClean="0"/>
-              <a:t>1/23/25</a:t>
+              <a:t>11/10/2025</a:t>
             </a:fld>
             <a:endParaRPr lang="en-US"/>
           </a:p>
@@ -6319,7 +6319,7 @@
           <a:p>
             <a:fld id="{11EAACC7-3B3F-47D1-959A-EF58926E955E}" type="datetimeFigureOut">
               <a:rPr lang="en-US" smtClean="0"/>
-              <a:t>1/23/25</a:t>
+              <a:t>11/10/2025</a:t>
             </a:fld>
             <a:endParaRPr lang="en-US"/>
           </a:p>
@@ -6467,7 +6467,7 @@
           <a:p>
             <a:fld id="{11EAACC7-3B3F-47D1-959A-EF58926E955E}" type="datetimeFigureOut">
               <a:rPr lang="en-US" smtClean="0"/>
-              <a:t>1/23/25</a:t>
+              <a:t>11/10/2025</a:t>
             </a:fld>
             <a:endParaRPr lang="en-US"/>
           </a:p>
@@ -6580,7 +6580,7 @@
           <a:p>
             <a:fld id="{11EAACC7-3B3F-47D1-959A-EF58926E955E}" type="datetimeFigureOut">
               <a:rPr lang="en-US" smtClean="0"/>
-              <a:t>1/23/25</a:t>
+              <a:t>11/10/2025</a:t>
             </a:fld>
             <a:endParaRPr lang="en-US"/>
           </a:p>
@@ -6891,7 +6891,7 @@
           <a:p>
             <a:fld id="{11EAACC7-3B3F-47D1-959A-EF58926E955E}" type="datetimeFigureOut">
               <a:rPr lang="en-US" smtClean="0"/>
-              <a:t>1/23/25</a:t>
+              <a:t>11/10/2025</a:t>
             </a:fld>
             <a:endParaRPr lang="en-US"/>
           </a:p>
@@ -7182,7 +7182,7 @@
           <a:p>
             <a:fld id="{11EAACC7-3B3F-47D1-959A-EF58926E955E}" type="datetimeFigureOut">
               <a:rPr lang="en-US" smtClean="0"/>
-              <a:t>1/23/25</a:t>
+              <a:t>11/10/2025</a:t>
             </a:fld>
             <a:endParaRPr lang="en-US"/>
           </a:p>
@@ -7739,7 +7739,7 @@
           <a:p>
             <a:fld id="{11EAACC7-3B3F-47D1-959A-EF58926E955E}" type="datetimeFigureOut">
               <a:rPr lang="en-US" smtClean="0"/>
-              <a:t>1/23/25</a:t>
+              <a:t>11/10/2025</a:t>
             </a:fld>
             <a:endParaRPr lang="en-US"/>
           </a:p>
